--- a/Doc/Presentation_Design.pptx
+++ b/Doc/Presentation_Design.pptx
@@ -113,6 +113,11 @@
       </a:defRPr>
     </a:lvl9pPr>
   </p:defaultTextStyle>
+  <p:extLst>
+    <p:ext uri="{EFAFB233-063F-42B5-8137-9DF3F51BA10A}">
+      <p15:sldGuideLst xmlns:p15="http://schemas.microsoft.com/office/powerpoint/2012/main"/>
+    </p:ext>
+  </p:extLst>
 </p:presentation>
 </file>
 
@@ -263,7 +268,7 @@
           <a:p>
             <a:fld id="{09ACBF6F-0B8A-444F-B429-003F0885B0C3}" type="datetimeFigureOut">
               <a:rPr lang="en-US" smtClean="0"/>
-              <a:t>4/4/2020</a:t>
+              <a:t>4/5/2020</a:t>
             </a:fld>
             <a:endParaRPr lang="en-US"/>
           </a:p>
@@ -461,7 +466,7 @@
           <a:p>
             <a:fld id="{09ACBF6F-0B8A-444F-B429-003F0885B0C3}" type="datetimeFigureOut">
               <a:rPr lang="en-US" smtClean="0"/>
-              <a:t>4/4/2020</a:t>
+              <a:t>4/5/2020</a:t>
             </a:fld>
             <a:endParaRPr lang="en-US"/>
           </a:p>
@@ -669,7 +674,7 @@
           <a:p>
             <a:fld id="{09ACBF6F-0B8A-444F-B429-003F0885B0C3}" type="datetimeFigureOut">
               <a:rPr lang="en-US" smtClean="0"/>
-              <a:t>4/4/2020</a:t>
+              <a:t>4/5/2020</a:t>
             </a:fld>
             <a:endParaRPr lang="en-US"/>
           </a:p>
@@ -867,7 +872,7 @@
           <a:p>
             <a:fld id="{09ACBF6F-0B8A-444F-B429-003F0885B0C3}" type="datetimeFigureOut">
               <a:rPr lang="en-US" smtClean="0"/>
-              <a:t>4/4/2020</a:t>
+              <a:t>4/5/2020</a:t>
             </a:fld>
             <a:endParaRPr lang="en-US"/>
           </a:p>
@@ -1142,7 +1147,7 @@
           <a:p>
             <a:fld id="{09ACBF6F-0B8A-444F-B429-003F0885B0C3}" type="datetimeFigureOut">
               <a:rPr lang="en-US" smtClean="0"/>
-              <a:t>4/4/2020</a:t>
+              <a:t>4/5/2020</a:t>
             </a:fld>
             <a:endParaRPr lang="en-US"/>
           </a:p>
@@ -1407,7 +1412,7 @@
           <a:p>
             <a:fld id="{09ACBF6F-0B8A-444F-B429-003F0885B0C3}" type="datetimeFigureOut">
               <a:rPr lang="en-US" smtClean="0"/>
-              <a:t>4/4/2020</a:t>
+              <a:t>4/5/2020</a:t>
             </a:fld>
             <a:endParaRPr lang="en-US"/>
           </a:p>
@@ -1819,7 +1824,7 @@
           <a:p>
             <a:fld id="{09ACBF6F-0B8A-444F-B429-003F0885B0C3}" type="datetimeFigureOut">
               <a:rPr lang="en-US" smtClean="0"/>
-              <a:t>4/4/2020</a:t>
+              <a:t>4/5/2020</a:t>
             </a:fld>
             <a:endParaRPr lang="en-US"/>
           </a:p>
@@ -1960,7 +1965,7 @@
           <a:p>
             <a:fld id="{09ACBF6F-0B8A-444F-B429-003F0885B0C3}" type="datetimeFigureOut">
               <a:rPr lang="en-US" smtClean="0"/>
-              <a:t>4/4/2020</a:t>
+              <a:t>4/5/2020</a:t>
             </a:fld>
             <a:endParaRPr lang="en-US"/>
           </a:p>
@@ -2073,7 +2078,7 @@
           <a:p>
             <a:fld id="{09ACBF6F-0B8A-444F-B429-003F0885B0C3}" type="datetimeFigureOut">
               <a:rPr lang="en-US" smtClean="0"/>
-              <a:t>4/4/2020</a:t>
+              <a:t>4/5/2020</a:t>
             </a:fld>
             <a:endParaRPr lang="en-US"/>
           </a:p>
@@ -2384,7 +2389,7 @@
           <a:p>
             <a:fld id="{09ACBF6F-0B8A-444F-B429-003F0885B0C3}" type="datetimeFigureOut">
               <a:rPr lang="en-US" smtClean="0"/>
-              <a:t>4/4/2020</a:t>
+              <a:t>4/5/2020</a:t>
             </a:fld>
             <a:endParaRPr lang="en-US"/>
           </a:p>
@@ -2672,7 +2677,7 @@
           <a:p>
             <a:fld id="{09ACBF6F-0B8A-444F-B429-003F0885B0C3}" type="datetimeFigureOut">
               <a:rPr lang="en-US" smtClean="0"/>
-              <a:t>4/4/2020</a:t>
+              <a:t>4/5/2020</a:t>
             </a:fld>
             <a:endParaRPr lang="en-US"/>
           </a:p>
@@ -2913,7 +2918,7 @@
           <a:p>
             <a:fld id="{09ACBF6F-0B8A-444F-B429-003F0885B0C3}" type="datetimeFigureOut">
               <a:rPr lang="en-US" smtClean="0"/>
-              <a:t>4/4/2020</a:t>
+              <a:t>4/5/2020</a:t>
             </a:fld>
             <a:endParaRPr lang="en-US"/>
           </a:p>
@@ -3498,6 +3503,56 @@
           <a:bodyPr/>
           <a:lstStyle/>
           <a:p>
+            <a:r>
+              <a:rPr lang="zh-CN" altLang="en-US" dirty="0"/>
+              <a:t>代码讲解</a:t>
+            </a:r>
+            <a:endParaRPr lang="en-US" altLang="zh-CN" dirty="0"/>
+          </a:p>
+          <a:p>
+            <a:r>
+              <a:rPr lang="zh-CN" altLang="en-US" dirty="0"/>
+              <a:t>新增数据源</a:t>
+            </a:r>
+            <a:endParaRPr lang="en-US" altLang="zh-CN" dirty="0"/>
+          </a:p>
+          <a:p>
+            <a:r>
+              <a:rPr lang="zh-CN" altLang="en-US" dirty="0"/>
+              <a:t>新增插件</a:t>
+            </a:r>
+            <a:endParaRPr lang="en-US" altLang="zh-CN" dirty="0"/>
+          </a:p>
+          <a:p>
+            <a:pPr lvl="1"/>
+            <a:r>
+              <a:rPr lang="en-US" dirty="0"/>
+              <a:t>C</a:t>
+            </a:r>
+            <a:r>
+              <a:rPr lang="en-US" altLang="zh-CN" dirty="0"/>
+              <a:t>ollector</a:t>
+            </a:r>
+          </a:p>
+          <a:p>
+            <a:pPr lvl="1"/>
+            <a:r>
+              <a:rPr lang="en-US" dirty="0"/>
+              <a:t>Analyzer</a:t>
+            </a:r>
+          </a:p>
+          <a:p>
+            <a:pPr lvl="1"/>
+            <a:r>
+              <a:rPr lang="en-US" dirty="0"/>
+              <a:t>Extension</a:t>
+            </a:r>
+          </a:p>
+          <a:p>
+            <a:r>
+              <a:rPr lang="zh-CN" altLang="en-US"/>
+              <a:t>数据访问</a:t>
+            </a:r>
             <a:endParaRPr lang="en-US" dirty="0"/>
           </a:p>
         </p:txBody>
